--- a/paper/LLM进行KG构建.pptx
+++ b/paper/LLM进行KG构建.pptx
@@ -5,7 +5,7 @@
     <p:sldMasterId id="2147483648" r:id="rId1"/>
   </p:sldMasterIdLst>
   <p:notesMasterIdLst>
-    <p:notesMasterId r:id="rId16"/>
+    <p:notesMasterId r:id="rId17"/>
   </p:notesMasterIdLst>
   <p:sldIdLst>
     <p:sldId id="772" r:id="rId3"/>
@@ -17,15 +17,16 @@
     <p:sldId id="809" r:id="rId9"/>
     <p:sldId id="810" r:id="rId10"/>
     <p:sldId id="811" r:id="rId11"/>
-    <p:sldId id="804" r:id="rId12"/>
-    <p:sldId id="806" r:id="rId13"/>
-    <p:sldId id="805" r:id="rId14"/>
-    <p:sldId id="808" r:id="rId15"/>
+    <p:sldId id="812" r:id="rId12"/>
+    <p:sldId id="804" r:id="rId13"/>
+    <p:sldId id="806" r:id="rId14"/>
+    <p:sldId id="805" r:id="rId15"/>
+    <p:sldId id="808" r:id="rId16"/>
   </p:sldIdLst>
   <p:sldSz cx="12192000" cy="6858000"/>
   <p:notesSz cx="6858000" cy="9144000"/>
   <p:custDataLst>
-    <p:tags r:id="rId20"/>
+    <p:tags r:id="rId21"/>
   </p:custDataLst>
   <p:defaultTextStyle>
     <a:defPPr>
@@ -1744,10 +1745,17 @@
         <p:cNvGrpSpPr/>
         <p:nvPr/>
       </p:nvGrpSpPr>
-      <p:grpSpPr/>
-      <p:sp>
-        <p:nvSpPr>
-          <p:cNvPr id="2" name="文本占位符 1"/>
+      <p:grpSpPr>
+        <a:xfrm>
+          <a:off x="0" y="0"/>
+          <a:ext cx="0" cy="0"/>
+          <a:chOff x="0" y="0"/>
+          <a:chExt cx="0" cy="0"/>
+        </a:xfrm>
+      </p:grpSpPr>
+      <p:sp>
+        <p:nvSpPr>
+          <p:cNvPr id="6" name="powerpoint template design by DAJU_PPT正版来源小红书大橘PPT微信DAJU_PPT请勿抄袭搬运！盗版必究！"/>
           <p:cNvSpPr>
             <a:spLocks noGrp="1"/>
           </p:cNvSpPr>
@@ -1758,62 +1766,74 @@
         <p:spPr/>
         <p:txBody>
           <a:bodyPr/>
-          <a:p>
-            <a:r>
-              <a:rPr lang="en-US" altLang="zh-CN"/>
-              <a:t>Q2 </a:t>
-            </a:r>
-            <a:r>
-              <a:rPr lang="zh-CN" altLang="en-US"/>
-              <a:t>法律相关知识图谱</a:t>
-            </a:r>
-            <a:r>
-              <a:rPr lang="zh-CN" altLang="en-US"/>
-              <a:t>构建</a:t>
-            </a:r>
-            <a:endParaRPr lang="zh-CN" altLang="en-US"/>
-          </a:p>
-        </p:txBody>
-      </p:sp>
-      <p:sp>
-        <p:nvSpPr>
-          <p:cNvPr id="3" name="灯片编号占位符 2"/>
-          <p:cNvSpPr>
-            <a:spLocks noGrp="1"/>
-          </p:cNvSpPr>
-          <p:nvPr>
-            <p:ph type="sldNum" sz="quarter" idx="12"/>
-          </p:nvPr>
-        </p:nvSpPr>
-        <p:spPr/>
-        <p:txBody>
-          <a:bodyPr/>
-          <a:p>
-            <a:r>
-              <a:rPr lang="zh-CN" altLang="en-US" dirty="0"/>
-              <a:t>第 </a:t>
-            </a:r>
-            <a:fld id="{84377AA6-5F82-4755-B29C-FAB6A572A0B7}" type="slidenum">
-              <a:rPr lang="zh-CN" altLang="en-US" smtClean="0"/>
-            </a:fld>
-            <a:r>
-              <a:rPr lang="zh-CN" altLang="en-US" dirty="0"/>
-              <a:t> 页</a:t>
-            </a:r>
-            <a:endParaRPr lang="zh-CN" altLang="en-US" dirty="0"/>
-          </a:p>
-        </p:txBody>
-      </p:sp>
-      <p:sp>
-        <p:nvSpPr>
-          <p:cNvPr id="5" name="文本框 4"/>
+          <a:lstStyle/>
+          <a:p>
+            <a:r>
+              <a:rPr lang="en-US" altLang="zh-CN" dirty="0"/>
+              <a:t>AutoKG</a:t>
+            </a:r>
+            <a:endParaRPr lang="en-US" altLang="zh-CN" dirty="0"/>
+          </a:p>
+        </p:txBody>
+      </p:sp>
+      <p:pic>
+        <p:nvPicPr>
+          <p:cNvPr id="8" name="powerpoint template design by DAJU_PPT正版来源小红书大橘PPT微信DAJU_PPT请勿抄袭搬运！盗版必究！"/>
+          <p:cNvPicPr>
+            <a:picLocks noChangeAspect="1"/>
+          </p:cNvPicPr>
+          <p:nvPr/>
+        </p:nvPicPr>
+        <p:blipFill>
+          <a:blip r:embed="rId1"/>
+          <a:stretch>
+            <a:fillRect/>
+          </a:stretch>
+        </p:blipFill>
+        <p:spPr>
+          <a:xfrm>
+            <a:off x="10032712" y="268642"/>
+            <a:ext cx="1656080" cy="552590"/>
+          </a:xfrm>
+          <a:prstGeom prst="rect">
+            <a:avLst/>
+          </a:prstGeom>
+        </p:spPr>
+      </p:pic>
+      <p:pic>
+        <p:nvPicPr>
+          <p:cNvPr id="7" name="图片 6"/>
+          <p:cNvPicPr>
+            <a:picLocks noChangeAspect="1"/>
+          </p:cNvPicPr>
+          <p:nvPr/>
+        </p:nvPicPr>
+        <p:blipFill>
+          <a:blip r:embed="rId2"/>
+          <a:stretch>
+            <a:fillRect/>
+          </a:stretch>
+        </p:blipFill>
+        <p:spPr>
+          <a:xfrm>
+            <a:off x="2864485" y="1703070"/>
+            <a:ext cx="6849745" cy="2337435"/>
+          </a:xfrm>
+          <a:prstGeom prst="rect">
+            <a:avLst/>
+          </a:prstGeom>
+        </p:spPr>
+      </p:pic>
+      <p:sp>
+        <p:nvSpPr>
+          <p:cNvPr id="11" name="文本框 10"/>
           <p:cNvSpPr txBox="1"/>
           <p:nvPr/>
         </p:nvSpPr>
         <p:spPr>
           <a:xfrm>
-            <a:off x="577850" y="873125"/>
-            <a:ext cx="10589895" cy="583565"/>
+            <a:off x="668020" y="902970"/>
+            <a:ext cx="12092305" cy="583565"/>
           </a:xfrm>
           <a:prstGeom prst="rect">
             <a:avLst/>
@@ -1832,30 +1852,9 @@
                 <a:latin typeface="Times New Roman" panose="02020603050405020304" charset="0"/>
                 <a:ea typeface="NimbusRomNo9L-Medi"/>
                 <a:cs typeface="Times New Roman" panose="02020603050405020304" charset="0"/>
-              </a:rPr>
-              <a:t>Leverage Knowledge Graph and Large Language Model for Law Article Recommendation: A Case Study of Chinese Criminal Law --</a:t>
-            </a:r>
-            <a:r>
-              <a:rPr lang="zh-CN" altLang="en-US" sz="1600" b="1">
-                <a:solidFill>
-                  <a:srgbClr val="000000"/>
-                </a:solidFill>
-                <a:latin typeface="Times New Roman" panose="02020603050405020304" charset="0"/>
-                <a:ea typeface="NimbusRomNo9L-Medi"/>
-                <a:cs typeface="Times New Roman" panose="02020603050405020304" charset="0"/>
-              </a:rPr>
-              <a:t>上交</a:t>
-            </a:r>
-            <a:r>
-              <a:rPr lang="en-US" altLang="zh-CN" sz="1600" b="1">
-                <a:solidFill>
-                  <a:srgbClr val="000000"/>
-                </a:solidFill>
-                <a:latin typeface="Times New Roman" panose="02020603050405020304" charset="0"/>
-                <a:ea typeface="NimbusRomNo9L-Medi"/>
-                <a:cs typeface="Times New Roman" panose="02020603050405020304" charset="0"/>
-              </a:rPr>
-              <a:t>arxiv</a:t>
+                <a:sym typeface="+mn-ea"/>
+              </a:rPr>
+              <a:t>LLMs for Knowledge Graph Construction and Reasoning: Recent Capabilities and Future Opportunities</a:t>
             </a:r>
             <a:endParaRPr lang="en-US" altLang="zh-CN" sz="1600" b="1">
               <a:solidFill>
@@ -1866,95 +1865,28 @@
               <a:cs typeface="Times New Roman" panose="02020603050405020304" charset="0"/>
             </a:endParaRPr>
           </a:p>
-        </p:txBody>
-      </p:sp>
-      <p:sp>
-        <p:nvSpPr>
-          <p:cNvPr id="6" name="文本框 5"/>
+          <a:p>
+            <a:endParaRPr lang="en-US" altLang="zh-CN" sz="1600" b="1">
+              <a:solidFill>
+                <a:srgbClr val="000000"/>
+              </a:solidFill>
+              <a:latin typeface="Times New Roman" panose="02020603050405020304" charset="0"/>
+              <a:ea typeface="NimbusRomNo9L-Medi"/>
+              <a:cs typeface="Times New Roman" panose="02020603050405020304" charset="0"/>
+            </a:endParaRPr>
+          </a:p>
+        </p:txBody>
+      </p:sp>
+      <p:sp>
+        <p:nvSpPr>
+          <p:cNvPr id="13" name="文本框 12"/>
           <p:cNvSpPr txBox="1"/>
           <p:nvPr/>
         </p:nvSpPr>
         <p:spPr>
           <a:xfrm>
-            <a:off x="553085" y="1456690"/>
-            <a:ext cx="10614660" cy="460375"/>
-          </a:xfrm>
-          <a:prstGeom prst="rect">
-            <a:avLst/>
-          </a:prstGeom>
-          <a:noFill/>
-        </p:spPr>
-        <p:txBody>
-          <a:bodyPr wrap="square" rtlCol="0">
-            <a:spAutoFit/>
-          </a:bodyPr>
-          <a:p>
-            <a:r>
-              <a:rPr lang="zh-CN" altLang="en-US" sz="1200"/>
-              <a:t>同样</a:t>
-            </a:r>
-            <a:r>
-              <a:rPr lang="zh-CN" altLang="en-US" sz="1200"/>
-              <a:t>是从法律判决书中抽取知识图谱，本文注重点在于法律条文的推荐，图构建是手工定义</a:t>
-            </a:r>
-            <a:r>
-              <a:rPr lang="en-US" altLang="zh-CN" sz="1200"/>
-              <a:t>schema</a:t>
-            </a:r>
-            <a:r>
-              <a:rPr lang="zh-CN" altLang="en-US" sz="1200"/>
-              <a:t>，而且定义的实体、</a:t>
-            </a:r>
-            <a:r>
-              <a:rPr lang="zh-CN" altLang="en-US" sz="1200"/>
-              <a:t>关系类别</a:t>
-            </a:r>
-            <a:r>
-              <a:rPr lang="zh-CN" altLang="en-US" sz="1200"/>
-              <a:t>不多，但是法条与案件之间的关联方式可以借鉴（暂未</a:t>
-            </a:r>
-            <a:r>
-              <a:rPr lang="zh-CN" altLang="en-US" sz="1200"/>
-              <a:t>开源）</a:t>
-            </a:r>
-            <a:endParaRPr lang="zh-CN" altLang="en-US" sz="1200"/>
-          </a:p>
-        </p:txBody>
-      </p:sp>
-      <p:pic>
-        <p:nvPicPr>
-          <p:cNvPr id="7" name="图片 6"/>
-          <p:cNvPicPr>
-            <a:picLocks noChangeAspect="1"/>
-          </p:cNvPicPr>
-          <p:nvPr/>
-        </p:nvPicPr>
-        <p:blipFill>
-          <a:blip r:embed="rId1"/>
-          <a:stretch>
-            <a:fillRect/>
-          </a:stretch>
-        </p:blipFill>
-        <p:spPr>
-          <a:xfrm>
-            <a:off x="0" y="1880235"/>
-            <a:ext cx="8863330" cy="4138930"/>
-          </a:xfrm>
-          <a:prstGeom prst="rect">
-            <a:avLst/>
-          </a:prstGeom>
-        </p:spPr>
-      </p:pic>
-      <p:sp>
-        <p:nvSpPr>
-          <p:cNvPr id="8" name="文本框 7"/>
-          <p:cNvSpPr txBox="1"/>
-          <p:nvPr/>
-        </p:nvSpPr>
-        <p:spPr>
-          <a:xfrm>
-            <a:off x="9011285" y="1969135"/>
-            <a:ext cx="2156460" cy="3451225"/>
+            <a:off x="668020" y="1216660"/>
+            <a:ext cx="10264775" cy="398780"/>
           </a:xfrm>
           <a:prstGeom prst="rect">
             <a:avLst/>
@@ -1965,343 +1897,533 @@
             <a:spAutoFit/>
           </a:bodyPr>
           <a:p>
-            <a:pPr marL="0" indent="0" algn="l">
-              <a:lnSpc>
-                <a:spcPts val="1400"/>
-              </a:lnSpc>
+            <a:pPr marL="0" indent="0">
+              <a:spcBef>
+                <a:spcPct val="0"/>
+              </a:spcBef>
+              <a:spcAft>
+                <a:spcPct val="0"/>
+              </a:spcAft>
             </a:pPr>
             <a:r>
-              <a:rPr lang="en-US" altLang="zh-CN" sz="1400" b="0" i="0">
+              <a:rPr lang="en-US" altLang="zh-CN" sz="2000" b="0" i="0">
                 <a:solidFill>
-                  <a:srgbClr val="000000"/>
+                  <a:srgbClr val="00997F"/>
                 </a:solidFill>
                 <a:latin typeface="微软雅黑" panose="020B0503020204020204" pitchFamily="34" charset="-122"/>
                 <a:ea typeface="微软雅黑" panose="020B0503020204020204" pitchFamily="34" charset="-122"/>
               </a:rPr>
-              <a:t>LAKG</a:t>
-            </a:r>
-            <a:r>
-              <a:rPr lang="zh-CN" altLang="en-US" sz="1400" b="0" i="0">
+              <a:t>AutoKG  </a:t>
+            </a:r>
+            <a:r>
+              <a:rPr lang="zh-CN" altLang="en-US" sz="2000" b="0" i="0">
                 <a:solidFill>
-                  <a:srgbClr val="000000"/>
+                  <a:srgbClr val="00997F"/>
                 </a:solidFill>
                 <a:latin typeface="微软雅黑" panose="020B0503020204020204" pitchFamily="34" charset="-122"/>
                 <a:ea typeface="微软雅黑" panose="020B0503020204020204" pitchFamily="34" charset="-122"/>
               </a:rPr>
-              <a:t>：</a:t>
-            </a:r>
-            <a:endParaRPr lang="zh-CN" altLang="en-US" sz="1400" b="0" i="0">
+              <a:t>利用</a:t>
+            </a:r>
+            <a:r>
+              <a:rPr lang="en-US" altLang="zh-CN" sz="2000" b="0" i="0">
+                <a:solidFill>
+                  <a:srgbClr val="00997F"/>
+                </a:solidFill>
+                <a:latin typeface="微软雅黑" panose="020B0503020204020204" pitchFamily="34" charset="-122"/>
+                <a:ea typeface="微软雅黑" panose="020B0503020204020204" pitchFamily="34" charset="-122"/>
+              </a:rPr>
+              <a:t>multi-agent</a:t>
+            </a:r>
+            <a:r>
+              <a:rPr lang="zh-CN" altLang="en-US" sz="2000" b="0" i="0">
+                <a:solidFill>
+                  <a:srgbClr val="00997F"/>
+                </a:solidFill>
+                <a:latin typeface="微软雅黑" panose="020B0503020204020204" pitchFamily="34" charset="-122"/>
+                <a:ea typeface="微软雅黑" panose="020B0503020204020204" pitchFamily="34" charset="-122"/>
+              </a:rPr>
+              <a:t>进行</a:t>
+            </a:r>
+            <a:r>
+              <a:rPr lang="en-US" altLang="zh-CN" sz="2000" b="0" i="0">
+                <a:solidFill>
+                  <a:srgbClr val="00997F"/>
+                </a:solidFill>
+                <a:latin typeface="微软雅黑" panose="020B0503020204020204" pitchFamily="34" charset="-122"/>
+                <a:ea typeface="微软雅黑" panose="020B0503020204020204" pitchFamily="34" charset="-122"/>
+              </a:rPr>
+              <a:t>KG</a:t>
+            </a:r>
+            <a:r>
+              <a:rPr lang="zh-CN" altLang="en-US" sz="2000" b="0" i="0">
+                <a:solidFill>
+                  <a:srgbClr val="00997F"/>
+                </a:solidFill>
+                <a:latin typeface="微软雅黑" panose="020B0503020204020204" pitchFamily="34" charset="-122"/>
+                <a:ea typeface="微软雅黑" panose="020B0503020204020204" pitchFamily="34" charset="-122"/>
+              </a:rPr>
+              <a:t>构建</a:t>
+            </a:r>
+            <a:r>
+              <a:rPr lang="en-US" altLang="zh-CN" sz="2000" b="0" i="0">
+                <a:solidFill>
+                  <a:srgbClr val="00997F"/>
+                </a:solidFill>
+                <a:latin typeface="微软雅黑" panose="020B0503020204020204" pitchFamily="34" charset="-122"/>
+                <a:ea typeface="微软雅黑" panose="020B0503020204020204" pitchFamily="34" charset="-122"/>
+              </a:rPr>
+              <a:t>  </a:t>
+            </a:r>
+            <a:r>
+              <a:rPr lang="en-US" sz="1600" b="0" i="0">
+                <a:latin typeface="微软雅黑" panose="020B0503020204020204" pitchFamily="34" charset="-122"/>
+                <a:ea typeface="微软雅黑" panose="020B0503020204020204" pitchFamily="34" charset="-122"/>
+              </a:rPr>
+              <a:t>WWW</a:t>
+            </a:r>
+            <a:r>
+              <a:rPr lang="en-US" sz="1600" b="0" i="0">
+                <a:solidFill>
+                  <a:schemeClr val="tx1"/>
+                </a:solidFill>
+                <a:latin typeface="微软雅黑" panose="020B0503020204020204" pitchFamily="34" charset="-122"/>
+                <a:ea typeface="微软雅黑" panose="020B0503020204020204" pitchFamily="34" charset="-122"/>
+              </a:rPr>
+              <a:t>2024(</a:t>
+            </a:r>
+            <a:r>
+              <a:rPr lang="zh-CN" altLang="en-US" sz="1600" b="0" i="0">
+                <a:solidFill>
+                  <a:schemeClr val="tx1"/>
+                </a:solidFill>
+                <a:latin typeface="微软雅黑" panose="020B0503020204020204" pitchFamily="34" charset="-122"/>
+                <a:ea typeface="微软雅黑" panose="020B0503020204020204" pitchFamily="34" charset="-122"/>
+              </a:rPr>
+              <a:t>开源</a:t>
+            </a:r>
+            <a:r>
+              <a:rPr lang="en-US" sz="1600" b="0" i="0">
+                <a:solidFill>
+                  <a:schemeClr val="tx1"/>
+                </a:solidFill>
+                <a:latin typeface="微软雅黑" panose="020B0503020204020204" pitchFamily="34" charset="-122"/>
+                <a:ea typeface="微软雅黑" panose="020B0503020204020204" pitchFamily="34" charset="-122"/>
+              </a:rPr>
+              <a:t>) </a:t>
+            </a:r>
+            <a:endParaRPr lang="en-US" sz="1600" b="0" i="0">
               <a:solidFill>
-                <a:srgbClr val="000000"/>
+                <a:schemeClr val="tx1"/>
               </a:solidFill>
               <a:latin typeface="微软雅黑" panose="020B0503020204020204" pitchFamily="34" charset="-122"/>
               <a:ea typeface="微软雅黑" panose="020B0503020204020204" pitchFamily="34" charset="-122"/>
             </a:endParaRPr>
           </a:p>
-          <a:p>
-            <a:pPr marL="0" indent="0" algn="l">
-              <a:lnSpc>
-                <a:spcPts val="1400"/>
-              </a:lnSpc>
-            </a:pPr>
-            <a:r>
-              <a:rPr lang="zh-CN" altLang="en-US" sz="1200" b="0" i="0">
-                <a:solidFill>
-                  <a:srgbClr val="000000"/>
-                </a:solidFill>
-                <a:latin typeface="微软雅黑" panose="020B0503020204020204" pitchFamily="34" charset="-122"/>
-                <a:ea typeface="微软雅黑" panose="020B0503020204020204" pitchFamily="34" charset="-122"/>
-              </a:rPr>
-              <a:t>法律原文</a:t>
-            </a:r>
-            <a:r>
-              <a:rPr lang="en-US" altLang="zh-CN" sz="1200" b="0" i="0">
-                <a:solidFill>
-                  <a:srgbClr val="000000"/>
-                </a:solidFill>
-                <a:latin typeface="微软雅黑" panose="020B0503020204020204" pitchFamily="34" charset="-122"/>
-                <a:ea typeface="微软雅黑" panose="020B0503020204020204" pitchFamily="34" charset="-122"/>
-              </a:rPr>
-              <a:t>/</a:t>
-            </a:r>
-            <a:r>
-              <a:rPr lang="zh-CN" altLang="en-US" sz="1200" b="0" i="0">
-                <a:solidFill>
-                  <a:srgbClr val="000000"/>
-                </a:solidFill>
-                <a:latin typeface="微软雅黑" panose="020B0503020204020204" pitchFamily="34" charset="-122"/>
-                <a:ea typeface="微软雅黑" panose="020B0503020204020204" pitchFamily="34" charset="-122"/>
-              </a:rPr>
-              <a:t>条文</a:t>
-            </a:r>
-            <a:r>
-              <a:rPr lang="en-US" altLang="zh-CN" sz="1200" b="0" i="0">
-                <a:solidFill>
-                  <a:srgbClr val="000000"/>
-                </a:solidFill>
-                <a:latin typeface="微软雅黑" panose="020B0503020204020204" pitchFamily="34" charset="-122"/>
-                <a:ea typeface="微软雅黑" panose="020B0503020204020204" pitchFamily="34" charset="-122"/>
-              </a:rPr>
-              <a:t> ID</a:t>
-            </a:r>
-            <a:endParaRPr lang="en-US" altLang="zh-CN" sz="1200" b="0" i="0">
-              <a:solidFill>
-                <a:srgbClr val="000000"/>
-              </a:solidFill>
-              <a:latin typeface="微软雅黑" panose="020B0503020204020204" pitchFamily="34" charset="-122"/>
-              <a:ea typeface="微软雅黑" panose="020B0503020204020204" pitchFamily="34" charset="-122"/>
-            </a:endParaRPr>
-          </a:p>
-          <a:p>
-            <a:pPr marL="0" indent="0" algn="l">
-              <a:lnSpc>
-                <a:spcPts val="1400"/>
-              </a:lnSpc>
-            </a:pPr>
-            <a:endParaRPr lang="en-US" altLang="zh-CN" sz="1400" b="0" i="0">
-              <a:solidFill>
-                <a:srgbClr val="000000"/>
-              </a:solidFill>
-              <a:latin typeface="微软雅黑" panose="020B0503020204020204" pitchFamily="34" charset="-122"/>
-              <a:ea typeface="微软雅黑" panose="020B0503020204020204" pitchFamily="34" charset="-122"/>
-            </a:endParaRPr>
-          </a:p>
-          <a:p>
-            <a:pPr marL="0" indent="0" algn="l">
-              <a:lnSpc>
-                <a:spcPts val="1400"/>
-              </a:lnSpc>
-            </a:pPr>
-            <a:endParaRPr lang="en-US" altLang="zh-CN" sz="1400" b="0" i="0">
-              <a:solidFill>
-                <a:srgbClr val="000000"/>
-              </a:solidFill>
-              <a:latin typeface="微软雅黑" panose="020B0503020204020204" pitchFamily="34" charset="-122"/>
-              <a:ea typeface="微软雅黑" panose="020B0503020204020204" pitchFamily="34" charset="-122"/>
-            </a:endParaRPr>
-          </a:p>
-          <a:p>
-            <a:pPr marL="0" indent="0" algn="l">
-              <a:lnSpc>
-                <a:spcPts val="1400"/>
-              </a:lnSpc>
-            </a:pPr>
-            <a:r>
-              <a:rPr lang="en-US" altLang="zh-CN" sz="1400" b="0" i="0">
-                <a:solidFill>
-                  <a:srgbClr val="000000"/>
-                </a:solidFill>
-                <a:latin typeface="微软雅黑" panose="020B0503020204020204" pitchFamily="34" charset="-122"/>
-                <a:ea typeface="微软雅黑" panose="020B0503020204020204" pitchFamily="34" charset="-122"/>
-              </a:rPr>
-              <a:t>ACKG:</a:t>
-            </a:r>
-            <a:endParaRPr lang="en-US" altLang="zh-CN" sz="1400" b="0" i="0">
-              <a:solidFill>
-                <a:srgbClr val="000000"/>
-              </a:solidFill>
-              <a:latin typeface="微软雅黑" panose="020B0503020204020204" pitchFamily="34" charset="-122"/>
-              <a:ea typeface="微软雅黑" panose="020B0503020204020204" pitchFamily="34" charset="-122"/>
-            </a:endParaRPr>
-          </a:p>
-          <a:p>
-            <a:pPr marL="0" indent="0" algn="l">
-              <a:lnSpc>
-                <a:spcPts val="1400"/>
-              </a:lnSpc>
-            </a:pPr>
-            <a:r>
-              <a:rPr lang="zh-CN" altLang="en-US" sz="1200" b="0" i="0">
-                <a:solidFill>
-                  <a:srgbClr val="000000"/>
-                </a:solidFill>
-                <a:latin typeface="微软雅黑" panose="020B0503020204020204" pitchFamily="34" charset="-122"/>
-                <a:ea typeface="微软雅黑" panose="020B0503020204020204" pitchFamily="34" charset="-122"/>
-              </a:rPr>
-              <a:t>案由</a:t>
-            </a:r>
-            <a:r>
-              <a:rPr lang="en-US" altLang="zh-CN" sz="1200" b="0" i="0">
-                <a:solidFill>
-                  <a:srgbClr val="000000"/>
-                </a:solidFill>
-                <a:latin typeface="微软雅黑" panose="020B0503020204020204" pitchFamily="34" charset="-122"/>
-                <a:ea typeface="微软雅黑" panose="020B0503020204020204" pitchFamily="34" charset="-122"/>
-              </a:rPr>
-              <a:t>/../../../</a:t>
-            </a:r>
-            <a:r>
-              <a:rPr lang="zh-CN" altLang="en-US" sz="1200" b="0" i="0">
-                <a:solidFill>
-                  <a:srgbClr val="000000"/>
-                </a:solidFill>
-                <a:latin typeface="微软雅黑" panose="020B0503020204020204" pitchFamily="34" charset="-122"/>
-                <a:ea typeface="微软雅黑" panose="020B0503020204020204" pitchFamily="34" charset="-122"/>
-              </a:rPr>
-              <a:t>判决理由</a:t>
-            </a:r>
-            <a:endParaRPr lang="zh-CN" altLang="en-US" sz="1200" b="0" i="0">
-              <a:solidFill>
-                <a:srgbClr val="000000"/>
-              </a:solidFill>
-              <a:latin typeface="微软雅黑" panose="020B0503020204020204" pitchFamily="34" charset="-122"/>
-              <a:ea typeface="微软雅黑" panose="020B0503020204020204" pitchFamily="34" charset="-122"/>
-            </a:endParaRPr>
-          </a:p>
-          <a:p>
-            <a:pPr marL="0" indent="0" algn="l">
-              <a:lnSpc>
-                <a:spcPts val="1400"/>
-              </a:lnSpc>
-            </a:pPr>
-            <a:endParaRPr lang="zh-CN" altLang="en-US" sz="1400" b="0" i="0">
-              <a:solidFill>
-                <a:srgbClr val="000000"/>
-              </a:solidFill>
-              <a:latin typeface="微软雅黑" panose="020B0503020204020204" pitchFamily="34" charset="-122"/>
-              <a:ea typeface="微软雅黑" panose="020B0503020204020204" pitchFamily="34" charset="-122"/>
-            </a:endParaRPr>
-          </a:p>
-          <a:p>
-            <a:pPr marL="0" indent="0" algn="l">
-              <a:lnSpc>
-                <a:spcPts val="1400"/>
-              </a:lnSpc>
-            </a:pPr>
-            <a:endParaRPr lang="zh-CN" altLang="en-US" sz="1400" b="0" i="0">
-              <a:solidFill>
-                <a:srgbClr val="000000"/>
-              </a:solidFill>
-              <a:latin typeface="微软雅黑" panose="020B0503020204020204" pitchFamily="34" charset="-122"/>
-              <a:ea typeface="微软雅黑" panose="020B0503020204020204" pitchFamily="34" charset="-122"/>
-            </a:endParaRPr>
-          </a:p>
-          <a:p>
-            <a:pPr marL="0" indent="0" algn="l">
-              <a:lnSpc>
-                <a:spcPts val="1400"/>
-              </a:lnSpc>
-            </a:pPr>
-            <a:endParaRPr lang="zh-CN" altLang="en-US" sz="1400" b="0" i="0">
-              <a:solidFill>
-                <a:srgbClr val="000000"/>
-              </a:solidFill>
-              <a:latin typeface="微软雅黑" panose="020B0503020204020204" pitchFamily="34" charset="-122"/>
-              <a:ea typeface="微软雅黑" panose="020B0503020204020204" pitchFamily="34" charset="-122"/>
-            </a:endParaRPr>
-          </a:p>
-          <a:p>
-            <a:pPr marL="0" indent="0" algn="l">
-              <a:lnSpc>
-                <a:spcPts val="1400"/>
-              </a:lnSpc>
-            </a:pPr>
-            <a:endParaRPr lang="zh-CN" altLang="en-US" sz="1400" b="0" i="0">
-              <a:solidFill>
-                <a:srgbClr val="000000"/>
-              </a:solidFill>
-              <a:latin typeface="微软雅黑" panose="020B0503020204020204" pitchFamily="34" charset="-122"/>
-              <a:ea typeface="微软雅黑" panose="020B0503020204020204" pitchFamily="34" charset="-122"/>
-            </a:endParaRPr>
-          </a:p>
-          <a:p>
-            <a:pPr marL="0" indent="0" algn="l">
-              <a:lnSpc>
-                <a:spcPts val="1400"/>
-              </a:lnSpc>
-            </a:pPr>
-            <a:endParaRPr lang="zh-CN" altLang="en-US" sz="1400" b="0" i="0">
-              <a:solidFill>
-                <a:srgbClr val="000000"/>
-              </a:solidFill>
-              <a:latin typeface="微软雅黑" panose="020B0503020204020204" pitchFamily="34" charset="-122"/>
-              <a:ea typeface="微软雅黑" panose="020B0503020204020204" pitchFamily="34" charset="-122"/>
-            </a:endParaRPr>
-          </a:p>
-          <a:p>
-            <a:pPr indent="0" algn="l" fontAlgn="auto">
-              <a:lnSpc>
-                <a:spcPct val="150000"/>
-              </a:lnSpc>
-            </a:pPr>
-            <a:r>
-              <a:rPr lang="zh-CN" altLang="en-US" sz="1200" b="0" i="0">
+        </p:txBody>
+      </p:sp>
+      <p:sp>
+        <p:nvSpPr>
+          <p:cNvPr id="14" name="文本框 13"/>
+          <p:cNvSpPr txBox="1"/>
+          <p:nvPr/>
+        </p:nvSpPr>
+        <p:spPr>
+          <a:xfrm>
+            <a:off x="2864485" y="4415790"/>
+            <a:ext cx="2576195" cy="337185"/>
+          </a:xfrm>
+          <a:prstGeom prst="rect">
+            <a:avLst/>
+          </a:prstGeom>
+        </p:spPr>
+        <p:txBody>
+          <a:bodyPr wrap="square">
+            <a:spAutoFit/>
+          </a:bodyPr>
+          <a:p>
+            <a:r>
+              <a:rPr lang="en-US" altLang="zh-CN" sz="1600" i="1">
                 <a:solidFill>
                   <a:srgbClr val="FF0000"/>
                 </a:solidFill>
-                <a:latin typeface="微软雅黑" panose="020B0503020204020204" pitchFamily="34" charset="-122"/>
-                <a:ea typeface="微软雅黑" panose="020B0503020204020204" pitchFamily="34" charset="-122"/>
-              </a:rPr>
-              <a:t>利用</a:t>
-            </a:r>
-            <a:r>
-              <a:rPr lang="en-US" altLang="zh-CN" sz="1200" b="0" i="0">
+              </a:rPr>
+              <a:t>KG assistant</a:t>
+            </a:r>
+            <a:r>
+              <a:rPr lang="en-US" altLang="zh-CN" sz="1600" i="1"/>
+              <a:t> agent</a:t>
+            </a:r>
+            <a:endParaRPr lang="en-US" altLang="zh-CN" sz="1600" i="1"/>
+          </a:p>
+        </p:txBody>
+      </p:sp>
+      <p:sp>
+        <p:nvSpPr>
+          <p:cNvPr id="15" name="文本框 14"/>
+          <p:cNvSpPr txBox="1"/>
+          <p:nvPr/>
+        </p:nvSpPr>
+        <p:spPr>
+          <a:xfrm>
+            <a:off x="214630" y="4975225"/>
+            <a:ext cx="2178050" cy="337185"/>
+          </a:xfrm>
+          <a:prstGeom prst="rect">
+            <a:avLst/>
+          </a:prstGeom>
+          <a:noFill/>
+        </p:spPr>
+        <p:txBody>
+          <a:bodyPr wrap="square" rtlCol="0" anchor="t">
+            <a:spAutoFit/>
+          </a:bodyPr>
+          <a:p>
+            <a:r>
+              <a:rPr lang="en-US" altLang="zh-CN" sz="1600" i="1">
                 <a:solidFill>
                   <a:srgbClr val="FF0000"/>
                 </a:solidFill>
-                <a:latin typeface="微软雅黑" panose="020B0503020204020204" pitchFamily="34" charset="-122"/>
-                <a:ea typeface="微软雅黑" panose="020B0503020204020204" pitchFamily="34" charset="-122"/>
-              </a:rPr>
-              <a:t>LLM</a:t>
-            </a:r>
-            <a:r>
-              <a:rPr lang="zh-CN" altLang="en-US" sz="1200" b="0" i="0">
+                <a:sym typeface="+mn-ea"/>
+              </a:rPr>
+              <a:t>KG user</a:t>
+            </a:r>
+            <a:r>
+              <a:rPr lang="en-US" altLang="zh-CN" sz="1600" i="1">
+                <a:sym typeface="+mn-ea"/>
+              </a:rPr>
+              <a:t> agent</a:t>
+            </a:r>
+            <a:endParaRPr lang="en-US" altLang="zh-CN" sz="1600" i="1">
+              <a:sym typeface="+mn-ea"/>
+            </a:endParaRPr>
+          </a:p>
+        </p:txBody>
+      </p:sp>
+      <p:sp>
+        <p:nvSpPr>
+          <p:cNvPr id="16" name="文本框 15"/>
+          <p:cNvSpPr txBox="1"/>
+          <p:nvPr/>
+        </p:nvSpPr>
+        <p:spPr>
+          <a:xfrm>
+            <a:off x="2864485" y="5516880"/>
+            <a:ext cx="2178050" cy="337185"/>
+          </a:xfrm>
+          <a:prstGeom prst="rect">
+            <a:avLst/>
+          </a:prstGeom>
+          <a:noFill/>
+        </p:spPr>
+        <p:txBody>
+          <a:bodyPr wrap="square" rtlCol="0" anchor="t">
+            <a:spAutoFit/>
+          </a:bodyPr>
+          <a:p>
+            <a:r>
+              <a:rPr lang="en-US" altLang="zh-CN" sz="1600" i="1">
                 <a:solidFill>
                   <a:srgbClr val="FF0000"/>
                 </a:solidFill>
-                <a:latin typeface="微软雅黑" panose="020B0503020204020204" pitchFamily="34" charset="-122"/>
-                <a:ea typeface="微软雅黑" panose="020B0503020204020204" pitchFamily="34" charset="-122"/>
-              </a:rPr>
-              <a:t>在</a:t>
-            </a:r>
-            <a:r>
-              <a:rPr lang="zh-CN" altLang="en-US" sz="1200">
+                <a:sym typeface="+mn-ea"/>
+              </a:rPr>
+              <a:t>Web searcher</a:t>
+            </a:r>
+            <a:r>
+              <a:rPr lang="en-US" altLang="zh-CN" sz="1600" i="1">
+                <a:sym typeface="+mn-ea"/>
+              </a:rPr>
+              <a:t> agent</a:t>
+            </a:r>
+            <a:endParaRPr lang="en-US" altLang="zh-CN" sz="1600" i="1">
+              <a:sym typeface="+mn-ea"/>
+            </a:endParaRPr>
+          </a:p>
+        </p:txBody>
+      </p:sp>
+      <p:cxnSp>
+        <p:nvCxnSpPr>
+          <p:cNvPr id="17" name="直接箭头连接符 16"/>
+          <p:cNvCxnSpPr/>
+          <p:nvPr/>
+        </p:nvCxnSpPr>
+        <p:spPr>
+          <a:xfrm flipV="1">
+            <a:off x="1829435" y="4657725"/>
+            <a:ext cx="1081405" cy="488950"/>
+          </a:xfrm>
+          <a:prstGeom prst="straightConnector1">
+            <a:avLst/>
+          </a:prstGeom>
+          <a:ln>
+            <a:tailEnd type="arrow"/>
+          </a:ln>
+        </p:spPr>
+        <p:style>
+          <a:lnRef idx="2">
+            <a:schemeClr val="accent1"/>
+          </a:lnRef>
+          <a:fillRef idx="0">
+            <a:srgbClr val="FFFFFF"/>
+          </a:fillRef>
+          <a:effectRef idx="0">
+            <a:srgbClr val="FFFFFF"/>
+          </a:effectRef>
+          <a:fontRef idx="minor">
+            <a:schemeClr val="tx1"/>
+          </a:fontRef>
+        </p:style>
+      </p:cxnSp>
+      <p:cxnSp>
+        <p:nvCxnSpPr>
+          <p:cNvPr id="18" name="直接箭头连接符 17"/>
+          <p:cNvCxnSpPr/>
+          <p:nvPr/>
+        </p:nvCxnSpPr>
+        <p:spPr>
+          <a:xfrm>
+            <a:off x="3823970" y="4752975"/>
+            <a:ext cx="5080" cy="749300"/>
+          </a:xfrm>
+          <a:prstGeom prst="straightConnector1">
+            <a:avLst/>
+          </a:prstGeom>
+          <a:ln>
+            <a:tailEnd type="arrow"/>
+          </a:ln>
+        </p:spPr>
+        <p:style>
+          <a:lnRef idx="2">
+            <a:schemeClr val="accent1"/>
+          </a:lnRef>
+          <a:fillRef idx="0">
+            <a:srgbClr val="FFFFFF"/>
+          </a:fillRef>
+          <a:effectRef idx="0">
+            <a:srgbClr val="FFFFFF"/>
+          </a:effectRef>
+          <a:fontRef idx="minor">
+            <a:schemeClr val="tx1"/>
+          </a:fontRef>
+        </p:style>
+      </p:cxnSp>
+      <p:sp>
+        <p:nvSpPr>
+          <p:cNvPr id="19" name="文本框 18"/>
+          <p:cNvSpPr txBox="1"/>
+          <p:nvPr/>
+        </p:nvSpPr>
+        <p:spPr>
+          <a:xfrm>
+            <a:off x="1858645" y="4613910"/>
+            <a:ext cx="1148715" cy="245110"/>
+          </a:xfrm>
+          <a:prstGeom prst="rect">
+            <a:avLst/>
+          </a:prstGeom>
+          <a:noFill/>
+        </p:spPr>
+        <p:txBody>
+          <a:bodyPr wrap="square" rtlCol="0">
+            <a:spAutoFit/>
+          </a:bodyPr>
+          <a:p>
+            <a:r>
+              <a:rPr lang="en-US" altLang="zh-CN" sz="1000"/>
+              <a:t>dialogue</a:t>
+            </a:r>
+            <a:endParaRPr lang="zh-CN" altLang="en-US" sz="1000"/>
+          </a:p>
+        </p:txBody>
+      </p:sp>
+      <p:sp>
+        <p:nvSpPr>
+          <p:cNvPr id="20" name="文本框 19"/>
+          <p:cNvSpPr txBox="1"/>
+          <p:nvPr/>
+        </p:nvSpPr>
+        <p:spPr>
+          <a:xfrm>
+            <a:off x="3893820" y="4942205"/>
+            <a:ext cx="1148715" cy="245110"/>
+          </a:xfrm>
+          <a:prstGeom prst="rect">
+            <a:avLst/>
+          </a:prstGeom>
+          <a:noFill/>
+        </p:spPr>
+        <p:txBody>
+          <a:bodyPr wrap="square" rtlCol="0">
+            <a:spAutoFit/>
+          </a:bodyPr>
+          <a:p>
+            <a:r>
+              <a:rPr lang="en-US" altLang="zh-CN" sz="1000"/>
+              <a:t>ask</a:t>
+            </a:r>
+            <a:endParaRPr lang="zh-CN" altLang="en-US" sz="1000"/>
+          </a:p>
+        </p:txBody>
+      </p:sp>
+      <p:sp>
+        <p:nvSpPr>
+          <p:cNvPr id="21" name="文本框 20"/>
+          <p:cNvSpPr txBox="1"/>
+          <p:nvPr/>
+        </p:nvSpPr>
+        <p:spPr>
+          <a:xfrm>
+            <a:off x="6259195" y="4859020"/>
+            <a:ext cx="1971040" cy="337185"/>
+          </a:xfrm>
+          <a:prstGeom prst="rect">
+            <a:avLst/>
+          </a:prstGeom>
+          <a:noFill/>
+        </p:spPr>
+        <p:txBody>
+          <a:bodyPr wrap="square" rtlCol="0" anchor="t">
+            <a:spAutoFit/>
+          </a:bodyPr>
+          <a:p>
+            <a:r>
+              <a:rPr lang="en-US" altLang="zh-CN" sz="1600" i="1">
                 <a:solidFill>
                   <a:srgbClr val="FF0000"/>
                 </a:solidFill>
-                <a:latin typeface="微软雅黑" panose="020B0503020204020204" pitchFamily="34" charset="-122"/>
-                <a:ea typeface="微软雅黑" panose="020B0503020204020204" pitchFamily="34" charset="-122"/>
                 <a:sym typeface="+mn-ea"/>
               </a:rPr>
-              <a:t>法律原文与判决理由之间</a:t>
-            </a:r>
-            <a:r>
-              <a:rPr lang="zh-CN" altLang="en-US" sz="1200" b="0" i="0">
-                <a:solidFill>
-                  <a:srgbClr val="FF0000"/>
-                </a:solidFill>
-                <a:latin typeface="微软雅黑" panose="020B0503020204020204" pitchFamily="34" charset="-122"/>
-                <a:ea typeface="微软雅黑" panose="020B0503020204020204" pitchFamily="34" charset="-122"/>
-              </a:rPr>
-              <a:t>提取最多</a:t>
-            </a:r>
-            <a:r>
-              <a:rPr lang="en-US" altLang="zh-CN" sz="1200" b="0" i="0">
-                <a:solidFill>
-                  <a:srgbClr val="FF0000"/>
-                </a:solidFill>
-                <a:latin typeface="微软雅黑" panose="020B0503020204020204" pitchFamily="34" charset="-122"/>
-                <a:ea typeface="微软雅黑" panose="020B0503020204020204" pitchFamily="34" charset="-122"/>
-              </a:rPr>
-              <a:t> 5 </a:t>
-            </a:r>
-            <a:r>
-              <a:rPr lang="zh-CN" altLang="en-US" sz="1200" b="0" i="0">
-                <a:solidFill>
-                  <a:srgbClr val="FF0000"/>
-                </a:solidFill>
-                <a:latin typeface="微软雅黑" panose="020B0503020204020204" pitchFamily="34" charset="-122"/>
-                <a:ea typeface="微软雅黑" panose="020B0503020204020204" pitchFamily="34" charset="-122"/>
-              </a:rPr>
-              <a:t>个最相关的关键词作为中间节点（并且必须在原文中出现的词）</a:t>
-            </a:r>
-            <a:endParaRPr lang="zh-CN" altLang="en-US" sz="1200" b="0" i="0">
-              <a:solidFill>
-                <a:srgbClr val="FF0000"/>
-              </a:solidFill>
-              <a:latin typeface="微软雅黑" panose="020B0503020204020204" pitchFamily="34" charset="-122"/>
-              <a:ea typeface="微软雅黑" panose="020B0503020204020204" pitchFamily="34" charset="-122"/>
+              <a:t>KG user</a:t>
+            </a:r>
+            <a:r>
+              <a:rPr lang="en-US" altLang="zh-CN" sz="1600" i="1">
+                <a:sym typeface="+mn-ea"/>
+              </a:rPr>
+              <a:t> agent</a:t>
+            </a:r>
+            <a:endParaRPr lang="en-US" altLang="zh-CN" sz="1600" i="1">
+              <a:sym typeface="+mn-ea"/>
             </a:endParaRPr>
+          </a:p>
+        </p:txBody>
+      </p:sp>
+      <p:cxnSp>
+        <p:nvCxnSpPr>
+          <p:cNvPr id="23" name="直接箭头连接符 22"/>
+          <p:cNvCxnSpPr/>
+          <p:nvPr/>
+        </p:nvCxnSpPr>
+        <p:spPr>
+          <a:xfrm flipV="1">
+            <a:off x="5042535" y="5027295"/>
+            <a:ext cx="1141730" cy="635"/>
+          </a:xfrm>
+          <a:prstGeom prst="straightConnector1">
+            <a:avLst/>
+          </a:prstGeom>
+          <a:ln>
+            <a:tailEnd type="arrow"/>
+          </a:ln>
+        </p:spPr>
+        <p:style>
+          <a:lnRef idx="2">
+            <a:schemeClr val="accent1"/>
+          </a:lnRef>
+          <a:fillRef idx="0">
+            <a:srgbClr val="FFFFFF"/>
+          </a:fillRef>
+          <a:effectRef idx="0">
+            <a:srgbClr val="FFFFFF"/>
+          </a:effectRef>
+          <a:fontRef idx="minor">
+            <a:schemeClr val="tx1"/>
+          </a:fontRef>
+        </p:style>
+      </p:cxnSp>
+      <p:sp>
+        <p:nvSpPr>
+          <p:cNvPr id="24" name="文本框 23"/>
+          <p:cNvSpPr txBox="1"/>
+          <p:nvPr/>
+        </p:nvSpPr>
+        <p:spPr>
+          <a:xfrm>
+            <a:off x="5260340" y="4730115"/>
+            <a:ext cx="1148715" cy="245110"/>
+          </a:xfrm>
+          <a:prstGeom prst="rect">
+            <a:avLst/>
+          </a:prstGeom>
+          <a:noFill/>
+        </p:spPr>
+        <p:txBody>
+          <a:bodyPr wrap="square" rtlCol="0">
+            <a:spAutoFit/>
+          </a:bodyPr>
+          <a:p>
+            <a:r>
+              <a:rPr lang="en-US" altLang="zh-CN" sz="1000"/>
+              <a:t>c</a:t>
+            </a:r>
+            <a:r>
+              <a:rPr lang="en-US" altLang="zh-CN" sz="1000"/>
+              <a:t>onfirm</a:t>
+            </a:r>
+            <a:endParaRPr lang="en-US" altLang="zh-CN" sz="1000"/>
+          </a:p>
+        </p:txBody>
+      </p:sp>
+      <p:sp>
+        <p:nvSpPr>
+          <p:cNvPr id="25" name="文本框 24"/>
+          <p:cNvSpPr txBox="1"/>
+          <p:nvPr/>
+        </p:nvSpPr>
+        <p:spPr>
+          <a:xfrm>
+            <a:off x="8221345" y="4752975"/>
+            <a:ext cx="3600450" cy="645160"/>
+          </a:xfrm>
+          <a:prstGeom prst="rect">
+            <a:avLst/>
+          </a:prstGeom>
+          <a:noFill/>
+        </p:spPr>
+        <p:txBody>
+          <a:bodyPr wrap="square" rtlCol="0">
+            <a:spAutoFit/>
+          </a:bodyPr>
+          <a:p>
+            <a:r>
+              <a:rPr lang="zh-CN" altLang="en-US" sz="1200"/>
+              <a:t>大部分篇幅在对现有</a:t>
+            </a:r>
+            <a:r>
+              <a:rPr lang="en-US" altLang="zh-CN" sz="1200"/>
+              <a:t>LLM</a:t>
+            </a:r>
+            <a:r>
+              <a:rPr lang="zh-CN" altLang="en-US" sz="1200"/>
+              <a:t>的</a:t>
+            </a:r>
+            <a:r>
+              <a:rPr lang="en-US" altLang="zh-CN" sz="1200"/>
+              <a:t>KG</a:t>
+            </a:r>
+            <a:r>
+              <a:rPr lang="zh-CN" altLang="en-US" sz="1200"/>
+              <a:t>构建能力做验证与分析，自己提出的方法篇幅很小，且没有实验数据支撑（</a:t>
+            </a:r>
+            <a:r>
+              <a:rPr lang="en-US" altLang="zh-CN" sz="1200"/>
+              <a:t>Future Opportunities</a:t>
+            </a:r>
+            <a:r>
+              <a:rPr lang="zh-CN" altLang="en-US" sz="1200"/>
+              <a:t>）</a:t>
+            </a:r>
+            <a:endParaRPr lang="zh-CN" altLang="en-US" sz="1200"/>
           </a:p>
         </p:txBody>
       </p:sp>
@@ -2312,14 +2434,10 @@
   </p:clrMapOvr>
   <mc:AlternateContent xmlns:mc="http://schemas.openxmlformats.org/markup-compatibility/2006">
     <mc:Choice xmlns:p14="http://schemas.microsoft.com/office/powerpoint/2010/main" Requires="p14">
-      <p:transition spd="med" p14:dur="700">
-        <p:fade/>
-      </p:transition>
+      <p:transition spd="med" p14:dur="700"/>
     </mc:Choice>
     <mc:Fallback>
-      <p:transition spd="med">
-        <p:fade/>
-      </p:transition>
+      <p:transition spd="med"/>
     </mc:Fallback>
   </mc:AlternateContent>
 </p:sld>
@@ -2351,13 +2469,17 @@
           <a:p>
             <a:r>
               <a:rPr lang="en-US" altLang="zh-CN"/>
-              <a:t>KG I</a:t>
-            </a:r>
-            <a:r>
-              <a:rPr lang="en-US" altLang="zh-CN"/>
-              <a:t>ntegration</a:t>
-            </a:r>
-            <a:endParaRPr lang="en-US" altLang="zh-CN"/>
+              <a:t>Q2 </a:t>
+            </a:r>
+            <a:r>
+              <a:rPr lang="zh-CN" altLang="en-US"/>
+              <a:t>法律相关知识图谱</a:t>
+            </a:r>
+            <a:r>
+              <a:rPr lang="zh-CN" altLang="en-US"/>
+              <a:t>构建</a:t>
+            </a:r>
+            <a:endParaRPr lang="zh-CN" altLang="en-US"/>
           </a:p>
         </p:txBody>
       </p:sp>
@@ -2390,9 +2512,126 @@
           </a:p>
         </p:txBody>
       </p:sp>
+      <p:sp>
+        <p:nvSpPr>
+          <p:cNvPr id="5" name="文本框 4"/>
+          <p:cNvSpPr txBox="1"/>
+          <p:nvPr/>
+        </p:nvSpPr>
+        <p:spPr>
+          <a:xfrm>
+            <a:off x="577850" y="873125"/>
+            <a:ext cx="10589895" cy="583565"/>
+          </a:xfrm>
+          <a:prstGeom prst="rect">
+            <a:avLst/>
+          </a:prstGeom>
+        </p:spPr>
+        <p:txBody>
+          <a:bodyPr wrap="square">
+            <a:spAutoFit/>
+          </a:bodyPr>
+          <a:p>
+            <a:r>
+              <a:rPr lang="en-US" altLang="zh-CN" sz="1600" b="1">
+                <a:solidFill>
+                  <a:srgbClr val="000000"/>
+                </a:solidFill>
+                <a:latin typeface="Times New Roman" panose="02020603050405020304" charset="0"/>
+                <a:ea typeface="NimbusRomNo9L-Medi"/>
+                <a:cs typeface="Times New Roman" panose="02020603050405020304" charset="0"/>
+              </a:rPr>
+              <a:t>Leverage Knowledge Graph and Large Language Model for Law Article Recommendation: A Case Study of Chinese Criminal Law --</a:t>
+            </a:r>
+            <a:r>
+              <a:rPr lang="zh-CN" altLang="en-US" sz="1600" b="1">
+                <a:solidFill>
+                  <a:srgbClr val="000000"/>
+                </a:solidFill>
+                <a:latin typeface="Times New Roman" panose="02020603050405020304" charset="0"/>
+                <a:ea typeface="NimbusRomNo9L-Medi"/>
+                <a:cs typeface="Times New Roman" panose="02020603050405020304" charset="0"/>
+              </a:rPr>
+              <a:t>上交</a:t>
+            </a:r>
+            <a:r>
+              <a:rPr lang="en-US" altLang="zh-CN" sz="1600" b="1">
+                <a:solidFill>
+                  <a:srgbClr val="000000"/>
+                </a:solidFill>
+                <a:latin typeface="Times New Roman" panose="02020603050405020304" charset="0"/>
+                <a:ea typeface="NimbusRomNo9L-Medi"/>
+                <a:cs typeface="Times New Roman" panose="02020603050405020304" charset="0"/>
+              </a:rPr>
+              <a:t>arxiv</a:t>
+            </a:r>
+            <a:endParaRPr lang="en-US" altLang="zh-CN" sz="1600" b="1">
+              <a:solidFill>
+                <a:srgbClr val="000000"/>
+              </a:solidFill>
+              <a:latin typeface="Times New Roman" panose="02020603050405020304" charset="0"/>
+              <a:ea typeface="NimbusRomNo9L-Medi"/>
+              <a:cs typeface="Times New Roman" panose="02020603050405020304" charset="0"/>
+            </a:endParaRPr>
+          </a:p>
+        </p:txBody>
+      </p:sp>
+      <p:sp>
+        <p:nvSpPr>
+          <p:cNvPr id="6" name="文本框 5"/>
+          <p:cNvSpPr txBox="1"/>
+          <p:nvPr/>
+        </p:nvSpPr>
+        <p:spPr>
+          <a:xfrm>
+            <a:off x="553085" y="1456690"/>
+            <a:ext cx="10614660" cy="460375"/>
+          </a:xfrm>
+          <a:prstGeom prst="rect">
+            <a:avLst/>
+          </a:prstGeom>
+          <a:noFill/>
+        </p:spPr>
+        <p:txBody>
+          <a:bodyPr wrap="square" rtlCol="0">
+            <a:spAutoFit/>
+          </a:bodyPr>
+          <a:p>
+            <a:r>
+              <a:rPr lang="zh-CN" altLang="en-US" sz="1200"/>
+              <a:t>同样</a:t>
+            </a:r>
+            <a:r>
+              <a:rPr lang="zh-CN" altLang="en-US" sz="1200"/>
+              <a:t>是从法律判决书中抽取知识图谱，本文注重点在于法律条文的推荐，图构建是手工定义</a:t>
+            </a:r>
+            <a:r>
+              <a:rPr lang="en-US" altLang="zh-CN" sz="1200"/>
+              <a:t>schema</a:t>
+            </a:r>
+            <a:r>
+              <a:rPr lang="zh-CN" altLang="en-US" sz="1200"/>
+              <a:t>，而且定义的实体、</a:t>
+            </a:r>
+            <a:r>
+              <a:rPr lang="zh-CN" altLang="en-US" sz="1200"/>
+              <a:t>关系类别</a:t>
+            </a:r>
+            <a:r>
+              <a:rPr lang="zh-CN" altLang="en-US" sz="1200"/>
+              <a:t>不多，但是法条与案件之间的关联方式可以借鉴（暂未</a:t>
+            </a:r>
+            <a:r>
+              <a:rPr lang="zh-CN" altLang="en-US" sz="1200"/>
+              <a:t>开源）</a:t>
+            </a:r>
+            <a:endParaRPr lang="zh-CN" altLang="en-US" sz="1200"/>
+          </a:p>
+        </p:txBody>
+      </p:sp>
       <p:pic>
         <p:nvPicPr>
-          <p:cNvPr id="4" name="图片 3"/>
+          <p:cNvPr id="7" name="图片 6"/>
           <p:cNvPicPr>
             <a:picLocks noChangeAspect="1"/>
           </p:cNvPicPr>
@@ -2406,8 +2645,8 @@
         </p:blipFill>
         <p:spPr>
           <a:xfrm>
-            <a:off x="2259330" y="918210"/>
-            <a:ext cx="6838315" cy="5584190"/>
+            <a:off x="0" y="1880235"/>
+            <a:ext cx="8863330" cy="4138930"/>
           </a:xfrm>
           <a:prstGeom prst="rect">
             <a:avLst/>
@@ -2416,34 +2655,361 @@
       </p:pic>
       <p:sp>
         <p:nvSpPr>
-          <p:cNvPr id="7" name="文本框 6"/>
+          <p:cNvPr id="8" name="文本框 7"/>
           <p:cNvSpPr txBox="1"/>
           <p:nvPr/>
         </p:nvSpPr>
         <p:spPr>
           <a:xfrm>
-            <a:off x="599440" y="1435735"/>
-            <a:ext cx="1200150" cy="368300"/>
-          </a:xfrm>
-          <a:prstGeom prst="rect">
-            <a:avLst/>
-          </a:prstGeom>
-          <a:noFill/>
-        </p:spPr>
-        <p:txBody>
-          <a:bodyPr wrap="square" rtlCol="0">
+            <a:off x="9011285" y="1969135"/>
+            <a:ext cx="2156460" cy="3451225"/>
+          </a:xfrm>
+          <a:prstGeom prst="rect">
+            <a:avLst/>
+          </a:prstGeom>
+        </p:spPr>
+        <p:txBody>
+          <a:bodyPr wrap="square">
             <a:spAutoFit/>
           </a:bodyPr>
           <a:p>
-            <a:r>
-              <a:rPr lang="zh-CN" altLang="en-US"/>
-              <a:t>图谱</a:t>
-            </a:r>
-            <a:r>
-              <a:rPr lang="zh-CN" altLang="en-US"/>
-              <a:t>样例</a:t>
-            </a:r>
-            <a:endParaRPr lang="zh-CN" altLang="en-US"/>
+            <a:pPr marL="0" indent="0" algn="l">
+              <a:lnSpc>
+                <a:spcPts val="1400"/>
+              </a:lnSpc>
+            </a:pPr>
+            <a:r>
+              <a:rPr lang="en-US" altLang="zh-CN" sz="1400" b="0" i="0">
+                <a:solidFill>
+                  <a:srgbClr val="000000"/>
+                </a:solidFill>
+                <a:latin typeface="微软雅黑" panose="020B0503020204020204" pitchFamily="34" charset="-122"/>
+                <a:ea typeface="微软雅黑" panose="020B0503020204020204" pitchFamily="34" charset="-122"/>
+              </a:rPr>
+              <a:t>LAKG</a:t>
+            </a:r>
+            <a:r>
+              <a:rPr lang="zh-CN" altLang="en-US" sz="1400" b="0" i="0">
+                <a:solidFill>
+                  <a:srgbClr val="000000"/>
+                </a:solidFill>
+                <a:latin typeface="微软雅黑" panose="020B0503020204020204" pitchFamily="34" charset="-122"/>
+                <a:ea typeface="微软雅黑" panose="020B0503020204020204" pitchFamily="34" charset="-122"/>
+              </a:rPr>
+              <a:t>：</a:t>
+            </a:r>
+            <a:endParaRPr lang="zh-CN" altLang="en-US" sz="1400" b="0" i="0">
+              <a:solidFill>
+                <a:srgbClr val="000000"/>
+              </a:solidFill>
+              <a:latin typeface="微软雅黑" panose="020B0503020204020204" pitchFamily="34" charset="-122"/>
+              <a:ea typeface="微软雅黑" panose="020B0503020204020204" pitchFamily="34" charset="-122"/>
+            </a:endParaRPr>
+          </a:p>
+          <a:p>
+            <a:pPr marL="0" indent="0" algn="l">
+              <a:lnSpc>
+                <a:spcPts val="1400"/>
+              </a:lnSpc>
+            </a:pPr>
+            <a:r>
+              <a:rPr lang="zh-CN" altLang="en-US" sz="1200" b="0" i="0">
+                <a:solidFill>
+                  <a:srgbClr val="000000"/>
+                </a:solidFill>
+                <a:latin typeface="微软雅黑" panose="020B0503020204020204" pitchFamily="34" charset="-122"/>
+                <a:ea typeface="微软雅黑" panose="020B0503020204020204" pitchFamily="34" charset="-122"/>
+              </a:rPr>
+              <a:t>法律原文</a:t>
+            </a:r>
+            <a:r>
+              <a:rPr lang="en-US" altLang="zh-CN" sz="1200" b="0" i="0">
+                <a:solidFill>
+                  <a:srgbClr val="000000"/>
+                </a:solidFill>
+                <a:latin typeface="微软雅黑" panose="020B0503020204020204" pitchFamily="34" charset="-122"/>
+                <a:ea typeface="微软雅黑" panose="020B0503020204020204" pitchFamily="34" charset="-122"/>
+              </a:rPr>
+              <a:t>/</a:t>
+            </a:r>
+            <a:r>
+              <a:rPr lang="zh-CN" altLang="en-US" sz="1200" b="0" i="0">
+                <a:solidFill>
+                  <a:srgbClr val="000000"/>
+                </a:solidFill>
+                <a:latin typeface="微软雅黑" panose="020B0503020204020204" pitchFamily="34" charset="-122"/>
+                <a:ea typeface="微软雅黑" panose="020B0503020204020204" pitchFamily="34" charset="-122"/>
+              </a:rPr>
+              <a:t>条文</a:t>
+            </a:r>
+            <a:r>
+              <a:rPr lang="en-US" altLang="zh-CN" sz="1200" b="0" i="0">
+                <a:solidFill>
+                  <a:srgbClr val="000000"/>
+                </a:solidFill>
+                <a:latin typeface="微软雅黑" panose="020B0503020204020204" pitchFamily="34" charset="-122"/>
+                <a:ea typeface="微软雅黑" panose="020B0503020204020204" pitchFamily="34" charset="-122"/>
+              </a:rPr>
+              <a:t> ID</a:t>
+            </a:r>
+            <a:endParaRPr lang="en-US" altLang="zh-CN" sz="1200" b="0" i="0">
+              <a:solidFill>
+                <a:srgbClr val="000000"/>
+              </a:solidFill>
+              <a:latin typeface="微软雅黑" panose="020B0503020204020204" pitchFamily="34" charset="-122"/>
+              <a:ea typeface="微软雅黑" panose="020B0503020204020204" pitchFamily="34" charset="-122"/>
+            </a:endParaRPr>
+          </a:p>
+          <a:p>
+            <a:pPr marL="0" indent="0" algn="l">
+              <a:lnSpc>
+                <a:spcPts val="1400"/>
+              </a:lnSpc>
+            </a:pPr>
+            <a:endParaRPr lang="en-US" altLang="zh-CN" sz="1400" b="0" i="0">
+              <a:solidFill>
+                <a:srgbClr val="000000"/>
+              </a:solidFill>
+              <a:latin typeface="微软雅黑" panose="020B0503020204020204" pitchFamily="34" charset="-122"/>
+              <a:ea typeface="微软雅黑" panose="020B0503020204020204" pitchFamily="34" charset="-122"/>
+            </a:endParaRPr>
+          </a:p>
+          <a:p>
+            <a:pPr marL="0" indent="0" algn="l">
+              <a:lnSpc>
+                <a:spcPts val="1400"/>
+              </a:lnSpc>
+            </a:pPr>
+            <a:endParaRPr lang="en-US" altLang="zh-CN" sz="1400" b="0" i="0">
+              <a:solidFill>
+                <a:srgbClr val="000000"/>
+              </a:solidFill>
+              <a:latin typeface="微软雅黑" panose="020B0503020204020204" pitchFamily="34" charset="-122"/>
+              <a:ea typeface="微软雅黑" panose="020B0503020204020204" pitchFamily="34" charset="-122"/>
+            </a:endParaRPr>
+          </a:p>
+          <a:p>
+            <a:pPr marL="0" indent="0" algn="l">
+              <a:lnSpc>
+                <a:spcPts val="1400"/>
+              </a:lnSpc>
+            </a:pPr>
+            <a:r>
+              <a:rPr lang="en-US" altLang="zh-CN" sz="1400" b="0" i="0">
+                <a:solidFill>
+                  <a:srgbClr val="000000"/>
+                </a:solidFill>
+                <a:latin typeface="微软雅黑" panose="020B0503020204020204" pitchFamily="34" charset="-122"/>
+                <a:ea typeface="微软雅黑" panose="020B0503020204020204" pitchFamily="34" charset="-122"/>
+              </a:rPr>
+              <a:t>ACKG:</a:t>
+            </a:r>
+            <a:endParaRPr lang="en-US" altLang="zh-CN" sz="1400" b="0" i="0">
+              <a:solidFill>
+                <a:srgbClr val="000000"/>
+              </a:solidFill>
+              <a:latin typeface="微软雅黑" panose="020B0503020204020204" pitchFamily="34" charset="-122"/>
+              <a:ea typeface="微软雅黑" panose="020B0503020204020204" pitchFamily="34" charset="-122"/>
+            </a:endParaRPr>
+          </a:p>
+          <a:p>
+            <a:pPr marL="0" indent="0" algn="l">
+              <a:lnSpc>
+                <a:spcPts val="1400"/>
+              </a:lnSpc>
+            </a:pPr>
+            <a:r>
+              <a:rPr lang="zh-CN" altLang="en-US" sz="1200" b="0" i="0">
+                <a:solidFill>
+                  <a:srgbClr val="000000"/>
+                </a:solidFill>
+                <a:latin typeface="微软雅黑" panose="020B0503020204020204" pitchFamily="34" charset="-122"/>
+                <a:ea typeface="微软雅黑" panose="020B0503020204020204" pitchFamily="34" charset="-122"/>
+              </a:rPr>
+              <a:t>案由</a:t>
+            </a:r>
+            <a:r>
+              <a:rPr lang="en-US" altLang="zh-CN" sz="1200" b="0" i="0">
+                <a:solidFill>
+                  <a:srgbClr val="000000"/>
+                </a:solidFill>
+                <a:latin typeface="微软雅黑" panose="020B0503020204020204" pitchFamily="34" charset="-122"/>
+                <a:ea typeface="微软雅黑" panose="020B0503020204020204" pitchFamily="34" charset="-122"/>
+              </a:rPr>
+              <a:t>/../../../</a:t>
+            </a:r>
+            <a:r>
+              <a:rPr lang="zh-CN" altLang="en-US" sz="1200" b="0" i="0">
+                <a:solidFill>
+                  <a:srgbClr val="000000"/>
+                </a:solidFill>
+                <a:latin typeface="微软雅黑" panose="020B0503020204020204" pitchFamily="34" charset="-122"/>
+                <a:ea typeface="微软雅黑" panose="020B0503020204020204" pitchFamily="34" charset="-122"/>
+              </a:rPr>
+              <a:t>判决理由</a:t>
+            </a:r>
+            <a:endParaRPr lang="zh-CN" altLang="en-US" sz="1200" b="0" i="0">
+              <a:solidFill>
+                <a:srgbClr val="000000"/>
+              </a:solidFill>
+              <a:latin typeface="微软雅黑" panose="020B0503020204020204" pitchFamily="34" charset="-122"/>
+              <a:ea typeface="微软雅黑" panose="020B0503020204020204" pitchFamily="34" charset="-122"/>
+            </a:endParaRPr>
+          </a:p>
+          <a:p>
+            <a:pPr marL="0" indent="0" algn="l">
+              <a:lnSpc>
+                <a:spcPts val="1400"/>
+              </a:lnSpc>
+            </a:pPr>
+            <a:endParaRPr lang="zh-CN" altLang="en-US" sz="1400" b="0" i="0">
+              <a:solidFill>
+                <a:srgbClr val="000000"/>
+              </a:solidFill>
+              <a:latin typeface="微软雅黑" panose="020B0503020204020204" pitchFamily="34" charset="-122"/>
+              <a:ea typeface="微软雅黑" panose="020B0503020204020204" pitchFamily="34" charset="-122"/>
+            </a:endParaRPr>
+          </a:p>
+          <a:p>
+            <a:pPr marL="0" indent="0" algn="l">
+              <a:lnSpc>
+                <a:spcPts val="1400"/>
+              </a:lnSpc>
+            </a:pPr>
+            <a:endParaRPr lang="zh-CN" altLang="en-US" sz="1400" b="0" i="0">
+              <a:solidFill>
+                <a:srgbClr val="000000"/>
+              </a:solidFill>
+              <a:latin typeface="微软雅黑" panose="020B0503020204020204" pitchFamily="34" charset="-122"/>
+              <a:ea typeface="微软雅黑" panose="020B0503020204020204" pitchFamily="34" charset="-122"/>
+            </a:endParaRPr>
+          </a:p>
+          <a:p>
+            <a:pPr marL="0" indent="0" algn="l">
+              <a:lnSpc>
+                <a:spcPts val="1400"/>
+              </a:lnSpc>
+            </a:pPr>
+            <a:endParaRPr lang="zh-CN" altLang="en-US" sz="1400" b="0" i="0">
+              <a:solidFill>
+                <a:srgbClr val="000000"/>
+              </a:solidFill>
+              <a:latin typeface="微软雅黑" panose="020B0503020204020204" pitchFamily="34" charset="-122"/>
+              <a:ea typeface="微软雅黑" panose="020B0503020204020204" pitchFamily="34" charset="-122"/>
+            </a:endParaRPr>
+          </a:p>
+          <a:p>
+            <a:pPr marL="0" indent="0" algn="l">
+              <a:lnSpc>
+                <a:spcPts val="1400"/>
+              </a:lnSpc>
+            </a:pPr>
+            <a:endParaRPr lang="zh-CN" altLang="en-US" sz="1400" b="0" i="0">
+              <a:solidFill>
+                <a:srgbClr val="000000"/>
+              </a:solidFill>
+              <a:latin typeface="微软雅黑" panose="020B0503020204020204" pitchFamily="34" charset="-122"/>
+              <a:ea typeface="微软雅黑" panose="020B0503020204020204" pitchFamily="34" charset="-122"/>
+            </a:endParaRPr>
+          </a:p>
+          <a:p>
+            <a:pPr marL="0" indent="0" algn="l">
+              <a:lnSpc>
+                <a:spcPts val="1400"/>
+              </a:lnSpc>
+            </a:pPr>
+            <a:endParaRPr lang="zh-CN" altLang="en-US" sz="1400" b="0" i="0">
+              <a:solidFill>
+                <a:srgbClr val="000000"/>
+              </a:solidFill>
+              <a:latin typeface="微软雅黑" panose="020B0503020204020204" pitchFamily="34" charset="-122"/>
+              <a:ea typeface="微软雅黑" panose="020B0503020204020204" pitchFamily="34" charset="-122"/>
+            </a:endParaRPr>
+          </a:p>
+          <a:p>
+            <a:pPr indent="0" algn="l" fontAlgn="auto">
+              <a:lnSpc>
+                <a:spcPct val="150000"/>
+              </a:lnSpc>
+            </a:pPr>
+            <a:r>
+              <a:rPr lang="zh-CN" altLang="en-US" sz="1200" b="0" i="0">
+                <a:solidFill>
+                  <a:srgbClr val="FF0000"/>
+                </a:solidFill>
+                <a:latin typeface="微软雅黑" panose="020B0503020204020204" pitchFamily="34" charset="-122"/>
+                <a:ea typeface="微软雅黑" panose="020B0503020204020204" pitchFamily="34" charset="-122"/>
+              </a:rPr>
+              <a:t>利用</a:t>
+            </a:r>
+            <a:r>
+              <a:rPr lang="en-US" altLang="zh-CN" sz="1200" b="0" i="0">
+                <a:solidFill>
+                  <a:srgbClr val="FF0000"/>
+                </a:solidFill>
+                <a:latin typeface="微软雅黑" panose="020B0503020204020204" pitchFamily="34" charset="-122"/>
+                <a:ea typeface="微软雅黑" panose="020B0503020204020204" pitchFamily="34" charset="-122"/>
+              </a:rPr>
+              <a:t>LLM</a:t>
+            </a:r>
+            <a:r>
+              <a:rPr lang="zh-CN" altLang="en-US" sz="1200" b="0" i="0">
+                <a:solidFill>
+                  <a:srgbClr val="FF0000"/>
+                </a:solidFill>
+                <a:latin typeface="微软雅黑" panose="020B0503020204020204" pitchFamily="34" charset="-122"/>
+                <a:ea typeface="微软雅黑" panose="020B0503020204020204" pitchFamily="34" charset="-122"/>
+              </a:rPr>
+              <a:t>在</a:t>
+            </a:r>
+            <a:r>
+              <a:rPr lang="zh-CN" altLang="en-US" sz="1200">
+                <a:solidFill>
+                  <a:srgbClr val="FF0000"/>
+                </a:solidFill>
+                <a:latin typeface="微软雅黑" panose="020B0503020204020204" pitchFamily="34" charset="-122"/>
+                <a:ea typeface="微软雅黑" panose="020B0503020204020204" pitchFamily="34" charset="-122"/>
+                <a:sym typeface="+mn-ea"/>
+              </a:rPr>
+              <a:t>法律原文与判决理由之间</a:t>
+            </a:r>
+            <a:r>
+              <a:rPr lang="zh-CN" altLang="en-US" sz="1200" b="0" i="0">
+                <a:solidFill>
+                  <a:srgbClr val="FF0000"/>
+                </a:solidFill>
+                <a:latin typeface="微软雅黑" panose="020B0503020204020204" pitchFamily="34" charset="-122"/>
+                <a:ea typeface="微软雅黑" panose="020B0503020204020204" pitchFamily="34" charset="-122"/>
+              </a:rPr>
+              <a:t>提取最多</a:t>
+            </a:r>
+            <a:r>
+              <a:rPr lang="en-US" altLang="zh-CN" sz="1200" b="0" i="0">
+                <a:solidFill>
+                  <a:srgbClr val="FF0000"/>
+                </a:solidFill>
+                <a:latin typeface="微软雅黑" panose="020B0503020204020204" pitchFamily="34" charset="-122"/>
+                <a:ea typeface="微软雅黑" panose="020B0503020204020204" pitchFamily="34" charset="-122"/>
+              </a:rPr>
+              <a:t> 5 </a:t>
+            </a:r>
+            <a:r>
+              <a:rPr lang="zh-CN" altLang="en-US" sz="1200" b="0" i="0">
+                <a:solidFill>
+                  <a:srgbClr val="FF0000"/>
+                </a:solidFill>
+                <a:latin typeface="微软雅黑" panose="020B0503020204020204" pitchFamily="34" charset="-122"/>
+                <a:ea typeface="微软雅黑" panose="020B0503020204020204" pitchFamily="34" charset="-122"/>
+              </a:rPr>
+              <a:t>个最相关的关键词作为中间节点（并且必须在原文中出现的词）</a:t>
+            </a:r>
+            <a:endParaRPr lang="zh-CN" altLang="en-US" sz="1200" b="0" i="0">
+              <a:solidFill>
+                <a:srgbClr val="FF0000"/>
+              </a:solidFill>
+              <a:latin typeface="微软雅黑" panose="020B0503020204020204" pitchFamily="34" charset="-122"/>
+              <a:ea typeface="微软雅黑" panose="020B0503020204020204" pitchFamily="34" charset="-122"/>
+            </a:endParaRPr>
           </a:p>
         </p:txBody>
       </p:sp>
@@ -2492,12 +3058,14 @@
           <a:bodyPr/>
           <a:p>
             <a:r>
-              <a:rPr lang="en-US" altLang="zh-CN">
-                <a:sym typeface="+mn-ea"/>
-              </a:rPr>
-              <a:t>schema</a:t>
-            </a:r>
-            <a:endParaRPr lang="zh-CN" altLang="en-US"/>
+              <a:rPr lang="en-US" altLang="zh-CN"/>
+              <a:t>KG I</a:t>
+            </a:r>
+            <a:r>
+              <a:rPr lang="en-US" altLang="zh-CN"/>
+              <a:t>ntegration</a:t>
+            </a:r>
+            <a:endParaRPr lang="en-US" altLang="zh-CN"/>
           </a:p>
         </p:txBody>
       </p:sp>
@@ -2532,7 +3100,7 @@
       </p:sp>
       <p:pic>
         <p:nvPicPr>
-          <p:cNvPr id="5" name="图片 4"/>
+          <p:cNvPr id="4" name="图片 3"/>
           <p:cNvPicPr>
             <a:picLocks noChangeAspect="1"/>
           </p:cNvPicPr>
@@ -2546,48 +3114,24 @@
         </p:blipFill>
         <p:spPr>
           <a:xfrm>
-            <a:off x="461645" y="1592580"/>
-            <a:ext cx="5424805" cy="3539490"/>
+            <a:off x="2259330" y="918210"/>
+            <a:ext cx="6838315" cy="5584190"/>
           </a:xfrm>
           <a:prstGeom prst="rect">
             <a:avLst/>
           </a:prstGeom>
         </p:spPr>
       </p:pic>
-      <p:pic>
-        <p:nvPicPr>
-          <p:cNvPr id="6" name="图片 5"/>
-          <p:cNvPicPr>
-            <a:picLocks noChangeAspect="1"/>
-          </p:cNvPicPr>
-          <p:nvPr/>
-        </p:nvPicPr>
-        <p:blipFill>
-          <a:blip r:embed="rId2"/>
-          <a:stretch>
-            <a:fillRect/>
-          </a:stretch>
-        </p:blipFill>
-        <p:spPr>
-          <a:xfrm>
-            <a:off x="6288405" y="1644650"/>
-            <a:ext cx="5632450" cy="3094355"/>
-          </a:xfrm>
-          <a:prstGeom prst="rect">
-            <a:avLst/>
-          </a:prstGeom>
-        </p:spPr>
-      </p:pic>
-      <p:sp>
-        <p:nvSpPr>
-          <p:cNvPr id="4" name="文本框 3"/>
+      <p:sp>
+        <p:nvSpPr>
+          <p:cNvPr id="7" name="文本框 6"/>
           <p:cNvSpPr txBox="1"/>
           <p:nvPr/>
         </p:nvSpPr>
         <p:spPr>
           <a:xfrm>
-            <a:off x="4657725" y="1043305"/>
-            <a:ext cx="3132455" cy="306705"/>
+            <a:off x="599440" y="1435735"/>
+            <a:ext cx="1200150" cy="368300"/>
           </a:xfrm>
           <a:prstGeom prst="rect">
             <a:avLst/>
@@ -2600,22 +3144,14 @@
           </a:bodyPr>
           <a:p>
             <a:r>
-              <a:rPr lang="zh-CN" altLang="en-US" sz="1400"/>
-              <a:t>基于手工定义的</a:t>
-            </a:r>
-            <a:r>
-              <a:rPr lang="en-US" altLang="zh-CN" sz="1400"/>
-              <a:t>schema</a:t>
-            </a:r>
-            <a:r>
-              <a:rPr lang="zh-CN" altLang="en-US" sz="1400"/>
-              <a:t>构建</a:t>
-            </a:r>
-            <a:r>
-              <a:rPr lang="zh-CN" altLang="en-US" sz="1400"/>
+              <a:rPr lang="zh-CN" altLang="en-US"/>
               <a:t>图谱</a:t>
             </a:r>
-            <a:endParaRPr lang="zh-CN" altLang="en-US" sz="1400"/>
+            <a:r>
+              <a:rPr lang="zh-CN" altLang="en-US"/>
+              <a:t>样例</a:t>
+            </a:r>
+            <a:endParaRPr lang="zh-CN" altLang="en-US"/>
           </a:p>
         </p:txBody>
       </p:sp>
@@ -2640,6 +3176,178 @@
 </file>
 
 <file path=ppt/slides/slide13.xml><?xml version="1.0" encoding="utf-8"?>
+<p:sld xmlns:a="http://schemas.openxmlformats.org/drawingml/2006/main" xmlns:r="http://schemas.openxmlformats.org/officeDocument/2006/relationships" xmlns:p="http://schemas.openxmlformats.org/presentationml/2006/main">
+  <p:cSld>
+    <p:spTree>
+      <p:nvGrpSpPr>
+        <p:cNvPr id="1" name=""/>
+        <p:cNvGrpSpPr/>
+        <p:nvPr/>
+      </p:nvGrpSpPr>
+      <p:grpSpPr/>
+      <p:sp>
+        <p:nvSpPr>
+          <p:cNvPr id="2" name="文本占位符 1"/>
+          <p:cNvSpPr>
+            <a:spLocks noGrp="1"/>
+          </p:cNvSpPr>
+          <p:nvPr>
+            <p:ph type="body" sz="quarter" idx="13"/>
+          </p:nvPr>
+        </p:nvSpPr>
+        <p:spPr/>
+        <p:txBody>
+          <a:bodyPr/>
+          <a:p>
+            <a:r>
+              <a:rPr lang="en-US" altLang="zh-CN">
+                <a:sym typeface="+mn-ea"/>
+              </a:rPr>
+              <a:t>schema</a:t>
+            </a:r>
+            <a:endParaRPr lang="zh-CN" altLang="en-US"/>
+          </a:p>
+        </p:txBody>
+      </p:sp>
+      <p:sp>
+        <p:nvSpPr>
+          <p:cNvPr id="3" name="灯片编号占位符 2"/>
+          <p:cNvSpPr>
+            <a:spLocks noGrp="1"/>
+          </p:cNvSpPr>
+          <p:nvPr>
+            <p:ph type="sldNum" sz="quarter" idx="12"/>
+          </p:nvPr>
+        </p:nvSpPr>
+        <p:spPr/>
+        <p:txBody>
+          <a:bodyPr/>
+          <a:p>
+            <a:r>
+              <a:rPr lang="zh-CN" altLang="en-US" dirty="0"/>
+              <a:t>第 </a:t>
+            </a:r>
+            <a:fld id="{84377AA6-5F82-4755-B29C-FAB6A572A0B7}" type="slidenum">
+              <a:rPr lang="zh-CN" altLang="en-US" smtClean="0"/>
+            </a:fld>
+            <a:r>
+              <a:rPr lang="zh-CN" altLang="en-US" dirty="0"/>
+              <a:t> 页</a:t>
+            </a:r>
+            <a:endParaRPr lang="zh-CN" altLang="en-US" dirty="0"/>
+          </a:p>
+        </p:txBody>
+      </p:sp>
+      <p:pic>
+        <p:nvPicPr>
+          <p:cNvPr id="5" name="图片 4"/>
+          <p:cNvPicPr>
+            <a:picLocks noChangeAspect="1"/>
+          </p:cNvPicPr>
+          <p:nvPr/>
+        </p:nvPicPr>
+        <p:blipFill>
+          <a:blip r:embed="rId1"/>
+          <a:stretch>
+            <a:fillRect/>
+          </a:stretch>
+        </p:blipFill>
+        <p:spPr>
+          <a:xfrm>
+            <a:off x="461645" y="1592580"/>
+            <a:ext cx="5424805" cy="3539490"/>
+          </a:xfrm>
+          <a:prstGeom prst="rect">
+            <a:avLst/>
+          </a:prstGeom>
+        </p:spPr>
+      </p:pic>
+      <p:pic>
+        <p:nvPicPr>
+          <p:cNvPr id="6" name="图片 5"/>
+          <p:cNvPicPr>
+            <a:picLocks noChangeAspect="1"/>
+          </p:cNvPicPr>
+          <p:nvPr/>
+        </p:nvPicPr>
+        <p:blipFill>
+          <a:blip r:embed="rId2"/>
+          <a:stretch>
+            <a:fillRect/>
+          </a:stretch>
+        </p:blipFill>
+        <p:spPr>
+          <a:xfrm>
+            <a:off x="6288405" y="1644650"/>
+            <a:ext cx="5632450" cy="3094355"/>
+          </a:xfrm>
+          <a:prstGeom prst="rect">
+            <a:avLst/>
+          </a:prstGeom>
+        </p:spPr>
+      </p:pic>
+      <p:sp>
+        <p:nvSpPr>
+          <p:cNvPr id="4" name="文本框 3"/>
+          <p:cNvSpPr txBox="1"/>
+          <p:nvPr/>
+        </p:nvSpPr>
+        <p:spPr>
+          <a:xfrm>
+            <a:off x="4657725" y="1043305"/>
+            <a:ext cx="3132455" cy="306705"/>
+          </a:xfrm>
+          <a:prstGeom prst="rect">
+            <a:avLst/>
+          </a:prstGeom>
+          <a:noFill/>
+        </p:spPr>
+        <p:txBody>
+          <a:bodyPr wrap="square" rtlCol="0">
+            <a:spAutoFit/>
+          </a:bodyPr>
+          <a:p>
+            <a:r>
+              <a:rPr lang="zh-CN" altLang="en-US" sz="1400"/>
+              <a:t>基于手工定义的</a:t>
+            </a:r>
+            <a:r>
+              <a:rPr lang="en-US" altLang="zh-CN" sz="1400"/>
+              <a:t>schema</a:t>
+            </a:r>
+            <a:r>
+              <a:rPr lang="zh-CN" altLang="en-US" sz="1400"/>
+              <a:t>构建</a:t>
+            </a:r>
+            <a:r>
+              <a:rPr lang="zh-CN" altLang="en-US" sz="1400"/>
+              <a:t>图谱</a:t>
+            </a:r>
+            <a:endParaRPr lang="zh-CN" altLang="en-US" sz="1400"/>
+          </a:p>
+        </p:txBody>
+      </p:sp>
+    </p:spTree>
+  </p:cSld>
+  <p:clrMapOvr>
+    <a:masterClrMapping/>
+  </p:clrMapOvr>
+  <mc:AlternateContent xmlns:mc="http://schemas.openxmlformats.org/markup-compatibility/2006">
+    <mc:Choice xmlns:p14="http://schemas.microsoft.com/office/powerpoint/2010/main" Requires="p14">
+      <p:transition spd="med" p14:dur="700">
+        <p:fade/>
+      </p:transition>
+    </mc:Choice>
+    <mc:Fallback>
+      <p:transition spd="med">
+        <p:fade/>
+      </p:transition>
+    </mc:Fallback>
+  </mc:AlternateContent>
+</p:sld>
+</file>
+
+<file path=ppt/slides/slide14.xml><?xml version="1.0" encoding="utf-8"?>
 <p:sld xmlns:a="http://schemas.openxmlformats.org/drawingml/2006/main" xmlns:r="http://schemas.openxmlformats.org/officeDocument/2006/relationships" xmlns:p="http://schemas.openxmlformats.org/presentationml/2006/main">
   <p:cSld>
     <p:spTree>
@@ -4548,26 +5256,10 @@
           <a:lstStyle/>
           <a:p>
             <a:r>
-              <a:rPr lang="en-US" altLang="zh-CN" dirty="0"/>
-              <a:t>Q1:</a:t>
-            </a:r>
-            <a:r>
-              <a:rPr lang="zh-CN" altLang="en-US" dirty="0"/>
-              <a:t>基于</a:t>
-            </a:r>
-            <a:r>
-              <a:rPr lang="en-US" altLang="zh-CN" dirty="0"/>
-              <a:t>LLM</a:t>
-            </a:r>
-            <a:r>
-              <a:rPr lang="zh-CN" altLang="en-US" dirty="0"/>
-              <a:t>的知识图谱</a:t>
-            </a:r>
-            <a:r>
-              <a:rPr lang="zh-CN" altLang="en-US" dirty="0"/>
-              <a:t>构建</a:t>
-            </a:r>
-            <a:endParaRPr lang="zh-CN" altLang="en-US" dirty="0"/>
+              <a:rPr lang="en-US" dirty="0"/>
+              <a:t>SAC-KG</a:t>
+            </a:r>
+            <a:endParaRPr lang="en-US" dirty="0"/>
           </a:p>
         </p:txBody>
       </p:sp>
